--- a/Partie personnelle Lucas MINAUD/revue/revue 1.pptx
+++ b/Partie personnelle Lucas MINAUD/revue/revue 1.pptx
@@ -517,7 +517,7 @@
           <a:p>
             <a:fld id="{8B4AF60A-713C-41BA-9788-4C493DDC0A9C}" type="datetimeFigureOut">
               <a:rPr lang="en-US" dirty="0"/>
-              <a:t>1/23/2019</a:t>
+              <a:t>4/26/2019</a:t>
             </a:fld>
             <a:endParaRPr lang="en-US" dirty="0"/>
           </a:p>
@@ -692,7 +692,7 @@
           <a:p>
             <a:fld id="{7E5E0FA7-C445-42F7-AF66-A4F5A6FC8A9C}" type="datetimeFigureOut">
               <a:rPr lang="en-US" dirty="0"/>
-              <a:t>1/23/2019</a:t>
+              <a:t>4/26/2019</a:t>
             </a:fld>
             <a:endParaRPr lang="en-US" dirty="0"/>
           </a:p>
@@ -867,7 +867,7 @@
           <a:p>
             <a:fld id="{585AC5C5-1A57-4420-8AFB-CE41693A794B}" type="datetimeFigureOut">
               <a:rPr lang="en-US" dirty="0"/>
-              <a:t>1/23/2019</a:t>
+              <a:t>4/26/2019</a:t>
             </a:fld>
             <a:endParaRPr lang="en-US" dirty="0"/>
           </a:p>
@@ -1032,7 +1032,7 @@
           <a:p>
             <a:fld id="{8A4C08AF-84E6-4329-8E67-FEA434B47075}" type="datetimeFigureOut">
               <a:rPr lang="en-US" dirty="0"/>
-              <a:t>1/23/2019</a:t>
+              <a:t>4/26/2019</a:t>
             </a:fld>
             <a:endParaRPr lang="en-US" dirty="0"/>
           </a:p>
@@ -1340,7 +1340,7 @@
           <a:p>
             <a:fld id="{4F6EE328-6AFF-436B-881F-213D56084544}" type="datetimeFigureOut">
               <a:rPr lang="en-US" dirty="0"/>
-              <a:t>1/23/2019</a:t>
+              <a:t>4/26/2019</a:t>
             </a:fld>
             <a:endParaRPr lang="en-US" dirty="0"/>
           </a:p>
@@ -1722,7 +1722,7 @@
           <a:p>
             <a:fld id="{AE02069A-09EE-4C7C-86A4-2314A404921D}" type="datetimeFigureOut">
               <a:rPr lang="en-US" dirty="0"/>
-              <a:t>1/23/2019</a:t>
+              <a:t>4/26/2019</a:t>
             </a:fld>
             <a:endParaRPr lang="en-US" dirty="0"/>
           </a:p>
@@ -2151,7 +2151,7 @@
           <a:p>
             <a:fld id="{D56EE7F1-171E-411F-96CA-A251A21496E7}" type="datetimeFigureOut">
               <a:rPr lang="en-US" dirty="0"/>
-              <a:t>1/23/2019</a:t>
+              <a:t>4/26/2019</a:t>
             </a:fld>
             <a:endParaRPr lang="en-US" dirty="0"/>
           </a:p>
@@ -2264,7 +2264,7 @@
           <a:p>
             <a:fld id="{8872C98D-A273-4547-9B92-97D7769F71A6}" type="datetimeFigureOut">
               <a:rPr lang="en-US" dirty="0"/>
-              <a:t>1/23/2019</a:t>
+              <a:t>4/26/2019</a:t>
             </a:fld>
             <a:endParaRPr lang="en-US" dirty="0"/>
           </a:p>
@@ -2354,7 +2354,7 @@
           <a:p>
             <a:fld id="{BAB7CD67-0644-446C-B2AD-1C09BF34F286}" type="datetimeFigureOut">
               <a:rPr lang="en-US" dirty="0"/>
-              <a:t>1/23/2019</a:t>
+              <a:t>4/26/2019</a:t>
             </a:fld>
             <a:endParaRPr lang="en-US" dirty="0"/>
           </a:p>
@@ -2699,7 +2699,7 @@
           <a:p>
             <a:fld id="{81480828-6983-48AD-9E27-CBD3696F837E}" type="datetimeFigureOut">
               <a:rPr lang="en-US" dirty="0"/>
-              <a:t>1/23/2019</a:t>
+              <a:t>4/26/2019</a:t>
             </a:fld>
             <a:endParaRPr lang="en-US" dirty="0"/>
           </a:p>
@@ -3119,7 +3119,7 @@
           <a:p>
             <a:fld id="{2C5EFB91-0324-450E-B17F-36DC0ECCE413}" type="datetimeFigureOut">
               <a:rPr lang="en-US" dirty="0"/>
-              <a:t>1/23/2019</a:t>
+              <a:t>4/26/2019</a:t>
             </a:fld>
             <a:endParaRPr lang="en-US" dirty="0"/>
           </a:p>
@@ -3395,7 +3395,7 @@
           <a:p>
             <a:fld id="{52E37674-C1BA-4107-9B06-6D4CAC3A3DF5}" type="datetimeFigureOut">
               <a:rPr lang="en-US" dirty="0"/>
-              <a:t>1/23/2019</a:t>
+              <a:t>4/26/2019</a:t>
             </a:fld>
             <a:endParaRPr lang="en-US" dirty="0"/>
           </a:p>
